--- a/01 Classes/Aula00- Noções de Informática - Arquitetura do Computador.pptx
+++ b/01 Classes/Aula00- Noções de Informática - Arquitetura do Computador.pptx
@@ -3961,7 +3961,7 @@
           </a:ln>
           <a:extLst>
             <a:ext uri="{C572A759-6A51-4108-AA02-DFA0A04FC94B}">
-              <ma14:wrappingTextBoxFlag xmlns:ma14="http://schemas.microsoft.com/office/mac/drawingml/2011/main" xmlns="" val="1"/>
+              <ma14:wrappingTextBoxFlag xmlns="" xmlns:ma14="http://schemas.microsoft.com/office/mac/drawingml/2011/main" val="1"/>
             </a:ext>
           </a:extLst>
         </p:spPr>
@@ -4010,7 +4010,7 @@
           </a:ln>
           <a:extLst>
             <a:ext uri="{C572A759-6A51-4108-AA02-DFA0A04FC94B}">
-              <ma14:wrappingTextBoxFlag xmlns:ma14="http://schemas.microsoft.com/office/mac/drawingml/2011/main" xmlns="" val="1"/>
+              <ma14:wrappingTextBoxFlag xmlns="" xmlns:ma14="http://schemas.microsoft.com/office/mac/drawingml/2011/main" val="1"/>
             </a:ext>
           </a:extLst>
         </p:spPr>
@@ -4981,7 +4981,7 @@
           </a:ln>
           <a:extLst>
             <a:ext uri="{C572A759-6A51-4108-AA02-DFA0A04FC94B}">
-              <ma14:wrappingTextBoxFlag xmlns:ma14="http://schemas.microsoft.com/office/mac/drawingml/2011/main" xmlns="" val="1"/>
+              <ma14:wrappingTextBoxFlag xmlns="" xmlns:ma14="http://schemas.microsoft.com/office/mac/drawingml/2011/main" val="1"/>
             </a:ext>
           </a:extLst>
         </p:spPr>
@@ -5298,7 +5298,7 @@
           </a:ln>
           <a:extLst>
             <a:ext uri="{C572A759-6A51-4108-AA02-DFA0A04FC94B}">
-              <ma14:wrappingTextBoxFlag xmlns:ma14="http://schemas.microsoft.com/office/mac/drawingml/2011/main" xmlns="" val="1"/>
+              <ma14:wrappingTextBoxFlag xmlns="" xmlns:ma14="http://schemas.microsoft.com/office/mac/drawingml/2011/main" val="1"/>
             </a:ext>
           </a:extLst>
         </p:spPr>
@@ -6314,7 +6314,7 @@
           </a:ln>
           <a:extLst>
             <a:ext uri="{C572A759-6A51-4108-AA02-DFA0A04FC94B}">
-              <ma14:wrappingTextBoxFlag xmlns:ma14="http://schemas.microsoft.com/office/mac/drawingml/2011/main" xmlns="" val="1"/>
+              <ma14:wrappingTextBoxFlag xmlns="" xmlns:ma14="http://schemas.microsoft.com/office/mac/drawingml/2011/main" val="1"/>
             </a:ext>
           </a:extLst>
         </p:spPr>
@@ -6631,7 +6631,7 @@
           </a:ln>
           <a:extLst>
             <a:ext uri="{C572A759-6A51-4108-AA02-DFA0A04FC94B}">
-              <ma14:wrappingTextBoxFlag xmlns:ma14="http://schemas.microsoft.com/office/mac/drawingml/2011/main" xmlns="" val="1"/>
+              <ma14:wrappingTextBoxFlag xmlns="" xmlns:ma14="http://schemas.microsoft.com/office/mac/drawingml/2011/main" val="1"/>
             </a:ext>
           </a:extLst>
         </p:spPr>
@@ -6995,7 +6995,7 @@
           </a:ln>
           <a:extLst>
             <a:ext uri="{C572A759-6A51-4108-AA02-DFA0A04FC94B}">
-              <ma14:wrappingTextBoxFlag xmlns:ma14="http://schemas.microsoft.com/office/mac/drawingml/2011/main" xmlns="" val="1"/>
+              <ma14:wrappingTextBoxFlag xmlns="" xmlns:ma14="http://schemas.microsoft.com/office/mac/drawingml/2011/main" val="1"/>
             </a:ext>
           </a:extLst>
         </p:spPr>
@@ -7312,7 +7312,7 @@
           </a:ln>
           <a:extLst>
             <a:ext uri="{C572A759-6A51-4108-AA02-DFA0A04FC94B}">
-              <ma14:wrappingTextBoxFlag xmlns:ma14="http://schemas.microsoft.com/office/mac/drawingml/2011/main" xmlns="" val="1"/>
+              <ma14:wrappingTextBoxFlag xmlns="" xmlns:ma14="http://schemas.microsoft.com/office/mac/drawingml/2011/main" val="1"/>
             </a:ext>
           </a:extLst>
         </p:spPr>
@@ -8964,7 +8964,7 @@
         <p:spPr>
           <a:xfrm>
             <a:off x="349035" y="1152849"/>
-            <a:ext cx="7383853" cy="2862322"/>
+            <a:ext cx="7383853" cy="3170099"/>
           </a:xfrm>
           <a:prstGeom prst="rect">
             <a:avLst/>
@@ -9051,11 +9051,23 @@
           </a:p>
           <a:p>
             <a:pPr algn="just" eaLnBrk="0"/>
-            <a:endParaRPr lang="pt-BR" sz="2000" b="1" dirty="0">
-              <a:solidFill>
-                <a:srgbClr val="FF0000"/>
-              </a:solidFill>
-            </a:endParaRPr>
+            <a:r>
+              <a:rPr lang="pt-BR" sz="2000" dirty="0">
+                <a:solidFill>
+                  <a:srgbClr val="FF0000"/>
+                </a:solidFill>
+                <a:hlinkClick r:id="rId2"/>
+              </a:rPr>
+              <a:t>https://brittanywashburn.com/2018/05/build-your-own-computer-paper-activity/</a:t>
+            </a:r>
+            <a:r>
+              <a:rPr lang="pt-BR" sz="2000" dirty="0">
+                <a:solidFill>
+                  <a:srgbClr val="FF0000"/>
+                </a:solidFill>
+              </a:rPr>
+              <a:t> </a:t>
+            </a:r>
           </a:p>
           <a:p>
             <a:pPr algn="just" eaLnBrk="0"/>
@@ -11326,15 +11338,6 @@
 </file>
 
 <file path=customXml/item1.xml><?xml version="1.0" encoding="utf-8"?>
-<?mso-contentType ?>
-<FormTemplates xmlns="http://schemas.microsoft.com/sharepoint/v3/contenttype/forms">
-  <Display>DocumentLibraryForm</Display>
-  <Edit>DocumentLibraryForm</Edit>
-  <New>DocumentLibraryForm</New>
-</FormTemplates>
-</file>
-
-<file path=customXml/item2.xml><?xml version="1.0" encoding="utf-8"?>
 <ct:contentTypeSchema xmlns:ct="http://schemas.microsoft.com/office/2006/metadata/contentType" xmlns:ma="http://schemas.microsoft.com/office/2006/metadata/properties/metaAttributes" ct:_="" ma:_="" ma:contentTypeName="Documento" ma:contentTypeID="0x010100E7E326A6FBD7C948AAF887265A2DB080" ma:contentTypeVersion="13" ma:contentTypeDescription="Crie um novo documento." ma:contentTypeScope="" ma:versionID="5629727caf6964b78819cfb788ada473">
   <xsd:schema xmlns:xsd="http://www.w3.org/2001/XMLSchema" xmlns:xs="http://www.w3.org/2001/XMLSchema" xmlns:p="http://schemas.microsoft.com/office/2006/metadata/properties" xmlns:ns2="bab2302b-9cf7-40b9-b316-803bc24ea342" xmlns:ns3="c298cbf6-df3b-44f4-88ee-2b3d9158f680" targetNamespace="http://schemas.microsoft.com/office/2006/metadata/properties" ma:root="true" ma:fieldsID="929990cc5bdd3bebd2af3f9d94cdeeec" ns2:_="" ns3:_="">
     <xsd:import namespace="bab2302b-9cf7-40b9-b316-803bc24ea342"/>
@@ -11557,6 +11560,15 @@
 </ct:contentTypeSchema>
 </file>
 
+<file path=customXml/item2.xml><?xml version="1.0" encoding="utf-8"?>
+<?mso-contentType ?>
+<FormTemplates xmlns="http://schemas.microsoft.com/sharepoint/v3/contenttype/forms">
+  <Display>DocumentLibraryForm</Display>
+  <Edit>DocumentLibraryForm</Edit>
+  <New>DocumentLibraryForm</New>
+</FormTemplates>
+</file>
+
 <file path=customXml/item3.xml><?xml version="1.0" encoding="utf-8"?>
 <p:properties xmlns:p="http://schemas.microsoft.com/office/2006/metadata/properties" xmlns:xsi="http://www.w3.org/2001/XMLSchema-instance" xmlns:pc="http://schemas.microsoft.com/office/infopath/2007/PartnerControls">
   <documentManagement/>
@@ -11564,14 +11576,6 @@
 </file>
 
 <file path=customXml/itemProps1.xml><?xml version="1.0" encoding="utf-8"?>
-<ds:datastoreItem xmlns:ds="http://schemas.openxmlformats.org/officeDocument/2006/customXml" ds:itemID="{AED456AD-07D2-43E3-AD57-2C9049066662}">
-  <ds:schemaRefs>
-    <ds:schemaRef ds:uri="http://schemas.microsoft.com/sharepoint/v3/contenttype/forms"/>
-  </ds:schemaRefs>
-</ds:datastoreItem>
-</file>
-
-<file path=customXml/itemProps2.xml><?xml version="1.0" encoding="utf-8"?>
 <ds:datastoreItem xmlns:ds="http://schemas.openxmlformats.org/officeDocument/2006/customXml" ds:itemID="{6A7BB859-CC6B-497C-9B96-0A0D80ADCD36}">
   <ds:schemaRefs>
     <ds:schemaRef ds:uri="http://schemas.microsoft.com/office/2006/metadata/contentType"/>
@@ -11590,6 +11594,14 @@
 </ds:datastoreItem>
 </file>
 
+<file path=customXml/itemProps2.xml><?xml version="1.0" encoding="utf-8"?>
+<ds:datastoreItem xmlns:ds="http://schemas.openxmlformats.org/officeDocument/2006/customXml" ds:itemID="{AED456AD-07D2-43E3-AD57-2C9049066662}">
+  <ds:schemaRefs>
+    <ds:schemaRef ds:uri="http://schemas.microsoft.com/sharepoint/v3/contenttype/forms"/>
+  </ds:schemaRefs>
+</ds:datastoreItem>
+</file>
+
 <file path=customXml/itemProps3.xml><?xml version="1.0" encoding="utf-8"?>
 <ds:datastoreItem xmlns:ds="http://schemas.openxmlformats.org/officeDocument/2006/customXml" ds:itemID="{961A30F4-F1EA-4F98-A164-76D337EE5565}">
   <ds:schemaRefs>

--- a/01 Classes/Aula00- Noções de Informática - Arquitetura do Computador.pptx
+++ b/01 Classes/Aula00- Noções de Informática - Arquitetura do Computador.pptx
@@ -3961,7 +3961,7 @@
           </a:ln>
           <a:extLst>
             <a:ext uri="{C572A759-6A51-4108-AA02-DFA0A04FC94B}">
-              <ma14:wrappingTextBoxFlag xmlns="" xmlns:ma14="http://schemas.microsoft.com/office/mac/drawingml/2011/main" val="1"/>
+              <ma14:wrappingTextBoxFlag xmlns:ma14="http://schemas.microsoft.com/office/mac/drawingml/2011/main" xmlns="" val="1"/>
             </a:ext>
           </a:extLst>
         </p:spPr>
@@ -4010,7 +4010,7 @@
           </a:ln>
           <a:extLst>
             <a:ext uri="{C572A759-6A51-4108-AA02-DFA0A04FC94B}">
-              <ma14:wrappingTextBoxFlag xmlns="" xmlns:ma14="http://schemas.microsoft.com/office/mac/drawingml/2011/main" val="1"/>
+              <ma14:wrappingTextBoxFlag xmlns:ma14="http://schemas.microsoft.com/office/mac/drawingml/2011/main" xmlns="" val="1"/>
             </a:ext>
           </a:extLst>
         </p:spPr>
@@ -4981,7 +4981,7 @@
           </a:ln>
           <a:extLst>
             <a:ext uri="{C572A759-6A51-4108-AA02-DFA0A04FC94B}">
-              <ma14:wrappingTextBoxFlag xmlns="" xmlns:ma14="http://schemas.microsoft.com/office/mac/drawingml/2011/main" val="1"/>
+              <ma14:wrappingTextBoxFlag xmlns:ma14="http://schemas.microsoft.com/office/mac/drawingml/2011/main" xmlns="" val="1"/>
             </a:ext>
           </a:extLst>
         </p:spPr>
@@ -5298,7 +5298,7 @@
           </a:ln>
           <a:extLst>
             <a:ext uri="{C572A759-6A51-4108-AA02-DFA0A04FC94B}">
-              <ma14:wrappingTextBoxFlag xmlns="" xmlns:ma14="http://schemas.microsoft.com/office/mac/drawingml/2011/main" val="1"/>
+              <ma14:wrappingTextBoxFlag xmlns:ma14="http://schemas.microsoft.com/office/mac/drawingml/2011/main" xmlns="" val="1"/>
             </a:ext>
           </a:extLst>
         </p:spPr>
@@ -6314,7 +6314,7 @@
           </a:ln>
           <a:extLst>
             <a:ext uri="{C572A759-6A51-4108-AA02-DFA0A04FC94B}">
-              <ma14:wrappingTextBoxFlag xmlns="" xmlns:ma14="http://schemas.microsoft.com/office/mac/drawingml/2011/main" val="1"/>
+              <ma14:wrappingTextBoxFlag xmlns:ma14="http://schemas.microsoft.com/office/mac/drawingml/2011/main" xmlns="" val="1"/>
             </a:ext>
           </a:extLst>
         </p:spPr>
@@ -6631,7 +6631,7 @@
           </a:ln>
           <a:extLst>
             <a:ext uri="{C572A759-6A51-4108-AA02-DFA0A04FC94B}">
-              <ma14:wrappingTextBoxFlag xmlns="" xmlns:ma14="http://schemas.microsoft.com/office/mac/drawingml/2011/main" val="1"/>
+              <ma14:wrappingTextBoxFlag xmlns:ma14="http://schemas.microsoft.com/office/mac/drawingml/2011/main" xmlns="" val="1"/>
             </a:ext>
           </a:extLst>
         </p:spPr>
@@ -6995,7 +6995,7 @@
           </a:ln>
           <a:extLst>
             <a:ext uri="{C572A759-6A51-4108-AA02-DFA0A04FC94B}">
-              <ma14:wrappingTextBoxFlag xmlns="" xmlns:ma14="http://schemas.microsoft.com/office/mac/drawingml/2011/main" val="1"/>
+              <ma14:wrappingTextBoxFlag xmlns:ma14="http://schemas.microsoft.com/office/mac/drawingml/2011/main" xmlns="" val="1"/>
             </a:ext>
           </a:extLst>
         </p:spPr>
@@ -7312,7 +7312,7 @@
           </a:ln>
           <a:extLst>
             <a:ext uri="{C572A759-6A51-4108-AA02-DFA0A04FC94B}">
-              <ma14:wrappingTextBoxFlag xmlns="" xmlns:ma14="http://schemas.microsoft.com/office/mac/drawingml/2011/main" val="1"/>
+              <ma14:wrappingTextBoxFlag xmlns:ma14="http://schemas.microsoft.com/office/mac/drawingml/2011/main" xmlns="" val="1"/>
             </a:ext>
           </a:extLst>
         </p:spPr>
@@ -7795,7 +7795,15 @@
             </a:r>
             <a:r>
               <a:rPr lang="pt-BR" sz="2000" dirty="0"/>
-              <a:t> Jan/2016, torna obrigatória a acessibilidade nas empresas no Brasil, seis anos após a criação da lei, ainda vemos o País caminhar a passos curtos rumo à </a:t>
+              <a:t> Jan/2016, torna obrigatória a acessibilidade nas empresas no Brasil</a:t>
+            </a:r>
+            <a:r>
+              <a:rPr lang="pt-BR" sz="2000"/>
+              <a:t>, oito </a:t>
+            </a:r>
+            <a:r>
+              <a:rPr lang="pt-BR" sz="2000" dirty="0"/>
+              <a:t>anos após a criação da lei, ainda vemos o País caminhar a passos curtos rumo à </a:t>
             </a:r>
             <a:r>
               <a:rPr lang="pt-BR" sz="2000" b="1" dirty="0">
@@ -11338,6 +11346,15 @@
 </file>
 
 <file path=customXml/item1.xml><?xml version="1.0" encoding="utf-8"?>
+<?mso-contentType ?>
+<FormTemplates xmlns="http://schemas.microsoft.com/sharepoint/v3/contenttype/forms">
+  <Display>DocumentLibraryForm</Display>
+  <Edit>DocumentLibraryForm</Edit>
+  <New>DocumentLibraryForm</New>
+</FormTemplates>
+</file>
+
+<file path=customXml/item2.xml><?xml version="1.0" encoding="utf-8"?>
 <ct:contentTypeSchema xmlns:ct="http://schemas.microsoft.com/office/2006/metadata/contentType" xmlns:ma="http://schemas.microsoft.com/office/2006/metadata/properties/metaAttributes" ct:_="" ma:_="" ma:contentTypeName="Documento" ma:contentTypeID="0x010100E7E326A6FBD7C948AAF887265A2DB080" ma:contentTypeVersion="13" ma:contentTypeDescription="Crie um novo documento." ma:contentTypeScope="" ma:versionID="5629727caf6964b78819cfb788ada473">
   <xsd:schema xmlns:xsd="http://www.w3.org/2001/XMLSchema" xmlns:xs="http://www.w3.org/2001/XMLSchema" xmlns:p="http://schemas.microsoft.com/office/2006/metadata/properties" xmlns:ns2="bab2302b-9cf7-40b9-b316-803bc24ea342" xmlns:ns3="c298cbf6-df3b-44f4-88ee-2b3d9158f680" targetNamespace="http://schemas.microsoft.com/office/2006/metadata/properties" ma:root="true" ma:fieldsID="929990cc5bdd3bebd2af3f9d94cdeeec" ns2:_="" ns3:_="">
     <xsd:import namespace="bab2302b-9cf7-40b9-b316-803bc24ea342"/>
@@ -11560,15 +11577,6 @@
 </ct:contentTypeSchema>
 </file>
 
-<file path=customXml/item2.xml><?xml version="1.0" encoding="utf-8"?>
-<?mso-contentType ?>
-<FormTemplates xmlns="http://schemas.microsoft.com/sharepoint/v3/contenttype/forms">
-  <Display>DocumentLibraryForm</Display>
-  <Edit>DocumentLibraryForm</Edit>
-  <New>DocumentLibraryForm</New>
-</FormTemplates>
-</file>
-
 <file path=customXml/item3.xml><?xml version="1.0" encoding="utf-8"?>
 <p:properties xmlns:p="http://schemas.microsoft.com/office/2006/metadata/properties" xmlns:xsi="http://www.w3.org/2001/XMLSchema-instance" xmlns:pc="http://schemas.microsoft.com/office/infopath/2007/PartnerControls">
   <documentManagement/>
@@ -11576,6 +11584,14 @@
 </file>
 
 <file path=customXml/itemProps1.xml><?xml version="1.0" encoding="utf-8"?>
+<ds:datastoreItem xmlns:ds="http://schemas.openxmlformats.org/officeDocument/2006/customXml" ds:itemID="{AED456AD-07D2-43E3-AD57-2C9049066662}">
+  <ds:schemaRefs>
+    <ds:schemaRef ds:uri="http://schemas.microsoft.com/sharepoint/v3/contenttype/forms"/>
+  </ds:schemaRefs>
+</ds:datastoreItem>
+</file>
+
+<file path=customXml/itemProps2.xml><?xml version="1.0" encoding="utf-8"?>
 <ds:datastoreItem xmlns:ds="http://schemas.openxmlformats.org/officeDocument/2006/customXml" ds:itemID="{6A7BB859-CC6B-497C-9B96-0A0D80ADCD36}">
   <ds:schemaRefs>
     <ds:schemaRef ds:uri="http://schemas.microsoft.com/office/2006/metadata/contentType"/>
@@ -11594,14 +11610,6 @@
 </ds:datastoreItem>
 </file>
 
-<file path=customXml/itemProps2.xml><?xml version="1.0" encoding="utf-8"?>
-<ds:datastoreItem xmlns:ds="http://schemas.openxmlformats.org/officeDocument/2006/customXml" ds:itemID="{AED456AD-07D2-43E3-AD57-2C9049066662}">
-  <ds:schemaRefs>
-    <ds:schemaRef ds:uri="http://schemas.microsoft.com/sharepoint/v3/contenttype/forms"/>
-  </ds:schemaRefs>
-</ds:datastoreItem>
-</file>
-
 <file path=customXml/itemProps3.xml><?xml version="1.0" encoding="utf-8"?>
 <ds:datastoreItem xmlns:ds="http://schemas.openxmlformats.org/officeDocument/2006/customXml" ds:itemID="{961A30F4-F1EA-4F98-A164-76D337EE5565}">
   <ds:schemaRefs>
